--- a/rel-electro-immersif-src/couverture.pptx
+++ b/rel-electro-immersif-src/couverture.pptx
@@ -115,7 +115,7 @@
 <file path=ppt/revisionInfo.xml><?xml version="1.0" encoding="utf-8"?>
 <p1510:revInfo xmlns:a="http://schemas.openxmlformats.org/drawingml/2006/main" xmlns:r="http://schemas.openxmlformats.org/officeDocument/2006/relationships" xmlns:p1510="http://schemas.microsoft.com/office/powerpoint/2015/10/main">
   <p1510:revLst>
-    <p1510:client id="{B0A1E63D-41CF-46CD-BB43-E48339287534}" v="21" dt="2023-02-24T20:45:56.013"/>
+    <p1510:client id="{B36D869A-DA91-754C-8767-B6001EA6EFDB}" v="1" dt="2023-03-10T18:18:08.123"/>
   </p1510:revLst>
 </p1510:revInfo>
 </file>
@@ -273,6 +273,38 @@
       </pc:sldChg>
     </pc:docChg>
   </pc:docChgLst>
+  <pc:docChgLst>
+    <pc:chgData name="Thomas O Fredericks" userId="9a40f032a9b16fc7" providerId="LiveId" clId="{B36D869A-DA91-754C-8767-B6001EA6EFDB}"/>
+    <pc:docChg chg="modSld">
+      <pc:chgData name="Thomas O Fredericks" userId="9a40f032a9b16fc7" providerId="LiveId" clId="{B36D869A-DA91-754C-8767-B6001EA6EFDB}" dt="2023-03-10T18:18:23.065" v="3" actId="1076"/>
+      <pc:docMkLst>
+        <pc:docMk/>
+      </pc:docMkLst>
+      <pc:sldChg chg="addSp modSp mod">
+        <pc:chgData name="Thomas O Fredericks" userId="9a40f032a9b16fc7" providerId="LiveId" clId="{B36D869A-DA91-754C-8767-B6001EA6EFDB}" dt="2023-03-10T18:18:23.065" v="3" actId="1076"/>
+        <pc:sldMkLst>
+          <pc:docMk/>
+          <pc:sldMk cId="2406543942" sldId="258"/>
+        </pc:sldMkLst>
+        <pc:picChg chg="add mod">
+          <ac:chgData name="Thomas O Fredericks" userId="9a40f032a9b16fc7" providerId="LiveId" clId="{B36D869A-DA91-754C-8767-B6001EA6EFDB}" dt="2023-03-10T18:18:18.479" v="2" actId="1076"/>
+          <ac:picMkLst>
+            <pc:docMk/>
+            <pc:sldMk cId="2406543942" sldId="258"/>
+            <ac:picMk id="10" creationId="{849D0EC5-F904-0900-CF51-4B1E621342DF}"/>
+          </ac:picMkLst>
+        </pc:picChg>
+        <pc:picChg chg="mod">
+          <ac:chgData name="Thomas O Fredericks" userId="9a40f032a9b16fc7" providerId="LiveId" clId="{B36D869A-DA91-754C-8767-B6001EA6EFDB}" dt="2023-03-10T18:18:23.065" v="3" actId="1076"/>
+          <ac:picMkLst>
+            <pc:docMk/>
+            <pc:sldMk cId="2406543942" sldId="258"/>
+            <ac:picMk id="13" creationId="{AF5C1C35-AD89-273C-02E5-74C3D2880216}"/>
+          </ac:picMkLst>
+        </pc:picChg>
+      </pc:sldChg>
+    </pc:docChg>
+  </pc:docChgLst>
 </pc:chgInfo>
 </file>
 
@@ -425,7 +457,7 @@
           <a:p>
             <a:fld id="{7D9CCBF0-3A07-3941-9BCD-AAAB35C397AE}" type="datetimeFigureOut">
               <a:rPr lang="fr-FR" smtClean="0"/>
-              <a:t>24/02/2023</a:t>
+              <a:t>10/03/2023</a:t>
             </a:fld>
             <a:endParaRPr lang="fr-FR"/>
           </a:p>
@@ -479,7 +511,7 @@
           <a:p>
             <a:fld id="{EA91B4C3-38D7-654E-AA53-19A920BC25CA}" type="slidenum">
               <a:rPr lang="fr-FR" smtClean="0"/>
-              <a:t>‹#›</a:t>
+              <a:t>‹n°›</a:t>
             </a:fld>
             <a:endParaRPr lang="fr-FR"/>
           </a:p>
@@ -625,7 +657,7 @@
           <a:p>
             <a:fld id="{7D9CCBF0-3A07-3941-9BCD-AAAB35C397AE}" type="datetimeFigureOut">
               <a:rPr lang="fr-FR" smtClean="0"/>
-              <a:t>24/02/2023</a:t>
+              <a:t>10/03/2023</a:t>
             </a:fld>
             <a:endParaRPr lang="fr-FR"/>
           </a:p>
@@ -679,7 +711,7 @@
           <a:p>
             <a:fld id="{EA91B4C3-38D7-654E-AA53-19A920BC25CA}" type="slidenum">
               <a:rPr lang="fr-FR" smtClean="0"/>
-              <a:t>‹#›</a:t>
+              <a:t>‹n°›</a:t>
             </a:fld>
             <a:endParaRPr lang="fr-FR"/>
           </a:p>
@@ -835,7 +867,7 @@
           <a:p>
             <a:fld id="{7D9CCBF0-3A07-3941-9BCD-AAAB35C397AE}" type="datetimeFigureOut">
               <a:rPr lang="fr-FR" smtClean="0"/>
-              <a:t>24/02/2023</a:t>
+              <a:t>10/03/2023</a:t>
             </a:fld>
             <a:endParaRPr lang="fr-FR"/>
           </a:p>
@@ -889,7 +921,7 @@
           <a:p>
             <a:fld id="{EA91B4C3-38D7-654E-AA53-19A920BC25CA}" type="slidenum">
               <a:rPr lang="fr-FR" smtClean="0"/>
-              <a:t>‹#›</a:t>
+              <a:t>‹n°›</a:t>
             </a:fld>
             <a:endParaRPr lang="fr-FR"/>
           </a:p>
@@ -1035,7 +1067,7 @@
           <a:p>
             <a:fld id="{7D9CCBF0-3A07-3941-9BCD-AAAB35C397AE}" type="datetimeFigureOut">
               <a:rPr lang="fr-FR" smtClean="0"/>
-              <a:t>24/02/2023</a:t>
+              <a:t>10/03/2023</a:t>
             </a:fld>
             <a:endParaRPr lang="fr-FR"/>
           </a:p>
@@ -1089,7 +1121,7 @@
           <a:p>
             <a:fld id="{EA91B4C3-38D7-654E-AA53-19A920BC25CA}" type="slidenum">
               <a:rPr lang="fr-FR" smtClean="0"/>
-              <a:t>‹#›</a:t>
+              <a:t>‹n°›</a:t>
             </a:fld>
             <a:endParaRPr lang="fr-FR"/>
           </a:p>
@@ -1311,7 +1343,7 @@
           <a:p>
             <a:fld id="{7D9CCBF0-3A07-3941-9BCD-AAAB35C397AE}" type="datetimeFigureOut">
               <a:rPr lang="fr-FR" smtClean="0"/>
-              <a:t>24/02/2023</a:t>
+              <a:t>10/03/2023</a:t>
             </a:fld>
             <a:endParaRPr lang="fr-FR"/>
           </a:p>
@@ -1365,7 +1397,7 @@
           <a:p>
             <a:fld id="{EA91B4C3-38D7-654E-AA53-19A920BC25CA}" type="slidenum">
               <a:rPr lang="fr-FR" smtClean="0"/>
-              <a:t>‹#›</a:t>
+              <a:t>‹n°›</a:t>
             </a:fld>
             <a:endParaRPr lang="fr-FR"/>
           </a:p>
@@ -1579,7 +1611,7 @@
           <a:p>
             <a:fld id="{7D9CCBF0-3A07-3941-9BCD-AAAB35C397AE}" type="datetimeFigureOut">
               <a:rPr lang="fr-FR" smtClean="0"/>
-              <a:t>24/02/2023</a:t>
+              <a:t>10/03/2023</a:t>
             </a:fld>
             <a:endParaRPr lang="fr-FR"/>
           </a:p>
@@ -1633,7 +1665,7 @@
           <a:p>
             <a:fld id="{EA91B4C3-38D7-654E-AA53-19A920BC25CA}" type="slidenum">
               <a:rPr lang="fr-FR" smtClean="0"/>
-              <a:t>‹#›</a:t>
+              <a:t>‹n°›</a:t>
             </a:fld>
             <a:endParaRPr lang="fr-FR"/>
           </a:p>
@@ -1994,7 +2026,7 @@
           <a:p>
             <a:fld id="{7D9CCBF0-3A07-3941-9BCD-AAAB35C397AE}" type="datetimeFigureOut">
               <a:rPr lang="fr-FR" smtClean="0"/>
-              <a:t>24/02/2023</a:t>
+              <a:t>10/03/2023</a:t>
             </a:fld>
             <a:endParaRPr lang="fr-FR"/>
           </a:p>
@@ -2048,7 +2080,7 @@
           <a:p>
             <a:fld id="{EA91B4C3-38D7-654E-AA53-19A920BC25CA}" type="slidenum">
               <a:rPr lang="fr-FR" smtClean="0"/>
-              <a:t>‹#›</a:t>
+              <a:t>‹n°›</a:t>
             </a:fld>
             <a:endParaRPr lang="fr-FR"/>
           </a:p>
@@ -2136,7 +2168,7 @@
           <a:p>
             <a:fld id="{7D9CCBF0-3A07-3941-9BCD-AAAB35C397AE}" type="datetimeFigureOut">
               <a:rPr lang="fr-FR" smtClean="0"/>
-              <a:t>24/02/2023</a:t>
+              <a:t>10/03/2023</a:t>
             </a:fld>
             <a:endParaRPr lang="fr-FR"/>
           </a:p>
@@ -2190,7 +2222,7 @@
           <a:p>
             <a:fld id="{EA91B4C3-38D7-654E-AA53-19A920BC25CA}" type="slidenum">
               <a:rPr lang="fr-FR" smtClean="0"/>
-              <a:t>‹#›</a:t>
+              <a:t>‹n°›</a:t>
             </a:fld>
             <a:endParaRPr lang="fr-FR"/>
           </a:p>
@@ -2249,7 +2281,7 @@
           <a:p>
             <a:fld id="{7D9CCBF0-3A07-3941-9BCD-AAAB35C397AE}" type="datetimeFigureOut">
               <a:rPr lang="fr-FR" smtClean="0"/>
-              <a:t>24/02/2023</a:t>
+              <a:t>10/03/2023</a:t>
             </a:fld>
             <a:endParaRPr lang="fr-FR"/>
           </a:p>
@@ -2303,7 +2335,7 @@
           <a:p>
             <a:fld id="{EA91B4C3-38D7-654E-AA53-19A920BC25CA}" type="slidenum">
               <a:rPr lang="fr-FR" smtClean="0"/>
-              <a:t>‹#›</a:t>
+              <a:t>‹n°›</a:t>
             </a:fld>
             <a:endParaRPr lang="fr-FR"/>
           </a:p>
@@ -2562,7 +2594,7 @@
           <a:p>
             <a:fld id="{7D9CCBF0-3A07-3941-9BCD-AAAB35C397AE}" type="datetimeFigureOut">
               <a:rPr lang="fr-FR" smtClean="0"/>
-              <a:t>24/02/2023</a:t>
+              <a:t>10/03/2023</a:t>
             </a:fld>
             <a:endParaRPr lang="fr-FR"/>
           </a:p>
@@ -2616,7 +2648,7 @@
           <a:p>
             <a:fld id="{EA91B4C3-38D7-654E-AA53-19A920BC25CA}" type="slidenum">
               <a:rPr lang="fr-FR" smtClean="0"/>
-              <a:t>‹#›</a:t>
+              <a:t>‹n°›</a:t>
             </a:fld>
             <a:endParaRPr lang="fr-FR"/>
           </a:p>
@@ -2851,7 +2883,7 @@
           <a:p>
             <a:fld id="{7D9CCBF0-3A07-3941-9BCD-AAAB35C397AE}" type="datetimeFigureOut">
               <a:rPr lang="fr-FR" smtClean="0"/>
-              <a:t>24/02/2023</a:t>
+              <a:t>10/03/2023</a:t>
             </a:fld>
             <a:endParaRPr lang="fr-FR"/>
           </a:p>
@@ -2905,7 +2937,7 @@
           <a:p>
             <a:fld id="{EA91B4C3-38D7-654E-AA53-19A920BC25CA}" type="slidenum">
               <a:rPr lang="fr-FR" smtClean="0"/>
-              <a:t>‹#›</a:t>
+              <a:t>‹n°›</a:t>
             </a:fld>
             <a:endParaRPr lang="fr-FR"/>
           </a:p>
@@ -3094,7 +3126,7 @@
           <a:p>
             <a:fld id="{7D9CCBF0-3A07-3941-9BCD-AAAB35C397AE}" type="datetimeFigureOut">
               <a:rPr lang="fr-FR" smtClean="0"/>
-              <a:t>24/02/2023</a:t>
+              <a:t>10/03/2023</a:t>
             </a:fld>
             <a:endParaRPr lang="fr-FR"/>
           </a:p>
@@ -3184,7 +3216,7 @@
           <a:p>
             <a:fld id="{EA91B4C3-38D7-654E-AA53-19A920BC25CA}" type="slidenum">
               <a:rPr lang="fr-FR" smtClean="0"/>
-              <a:t>‹#›</a:t>
+              <a:t>‹n°›</a:t>
             </a:fld>
             <a:endParaRPr lang="fr-FR"/>
           </a:p>
@@ -3824,8 +3856,38 @@
         </p:blipFill>
         <p:spPr>
           <a:xfrm>
-            <a:off x="5702299" y="6371477"/>
+            <a:off x="5105951" y="6299905"/>
             <a:ext cx="2247995" cy="451554"/>
+          </a:xfrm>
+          <a:prstGeom prst="rect">
+            <a:avLst/>
+          </a:prstGeom>
+        </p:spPr>
+      </p:pic>
+      <p:pic>
+        <p:nvPicPr>
+          <p:cNvPr id="10" name="Image 9">
+            <a:extLst>
+              <a:ext uri="{FF2B5EF4-FFF2-40B4-BE49-F238E27FC236}">
+                <a16:creationId xmlns:a16="http://schemas.microsoft.com/office/drawing/2014/main" id="{849D0EC5-F904-0900-CF51-4B1E621342DF}"/>
+              </a:ext>
+            </a:extLst>
+          </p:cNvPr>
+          <p:cNvPicPr>
+            <a:picLocks noChangeAspect="1"/>
+          </p:cNvPicPr>
+          <p:nvPr/>
+        </p:nvPicPr>
+        <p:blipFill>
+          <a:blip r:embed="rId5"/>
+          <a:stretch>
+            <a:fillRect/>
+          </a:stretch>
+        </p:blipFill>
+        <p:spPr>
+          <a:xfrm>
+            <a:off x="1636751" y="6215433"/>
+            <a:ext cx="1957180" cy="620498"/>
           </a:xfrm>
           <a:prstGeom prst="rect">
             <a:avLst/>
